--- a/CSCE689-23/L17.pptx
+++ b/CSCE689-23/L17.pptx
@@ -5,7 +5,7 @@
     <p:sldMasterId id="2147483648" r:id="rId1"/>
   </p:sldMasterIdLst>
   <p:notesMasterIdLst>
-    <p:notesMasterId r:id="rId51"/>
+    <p:notesMasterId r:id="rId47"/>
   </p:notesMasterIdLst>
   <p:sldIdLst>
     <p:sldId id="861" r:id="rId2"/>
@@ -53,10 +53,6 @@
     <p:sldId id="1088" r:id="rId44"/>
     <p:sldId id="1089" r:id="rId45"/>
     <p:sldId id="1091" r:id="rId46"/>
-    <p:sldId id="1092" r:id="rId47"/>
-    <p:sldId id="1093" r:id="rId48"/>
-    <p:sldId id="1094" r:id="rId49"/>
-    <p:sldId id="1095" r:id="rId50"/>
   </p:sldIdLst>
   <p:sldSz cx="12192000" cy="6858000"/>
   <p:notesSz cx="6858000" cy="9144000"/>
@@ -646,7 +642,7 @@
           <a:p>
             <a:fld id="{630F6A0B-F496-46B9-A990-D11FBD179200}" type="datetimeFigureOut">
               <a:rPr lang="en-US" smtClean="0"/>
-              <a:t>10/11/2023</a:t>
+              <a:t>10/13/2023</a:t>
             </a:fld>
             <a:endParaRPr lang="en-US"/>
           </a:p>
@@ -1060,7 +1056,7 @@
           <a:p>
             <a:fld id="{28E58353-CEF6-4A42-9D47-166BF13E0D00}" type="datetimeFigureOut">
               <a:rPr lang="en-US" smtClean="0"/>
-              <a:t>10/11/2023</a:t>
+              <a:t>10/13/2023</a:t>
             </a:fld>
             <a:endParaRPr lang="en-US"/>
           </a:p>
@@ -1258,7 +1254,7 @@
           <a:p>
             <a:fld id="{28E58353-CEF6-4A42-9D47-166BF13E0D00}" type="datetimeFigureOut">
               <a:rPr lang="en-US" smtClean="0"/>
-              <a:t>10/11/2023</a:t>
+              <a:t>10/13/2023</a:t>
             </a:fld>
             <a:endParaRPr lang="en-US"/>
           </a:p>
@@ -1466,7 +1462,7 @@
           <a:p>
             <a:fld id="{28E58353-CEF6-4A42-9D47-166BF13E0D00}" type="datetimeFigureOut">
               <a:rPr lang="en-US" smtClean="0"/>
-              <a:t>10/11/2023</a:t>
+              <a:t>10/13/2023</a:t>
             </a:fld>
             <a:endParaRPr lang="en-US"/>
           </a:p>
@@ -1664,7 +1660,7 @@
           <a:p>
             <a:fld id="{28E58353-CEF6-4A42-9D47-166BF13E0D00}" type="datetimeFigureOut">
               <a:rPr lang="en-US" smtClean="0"/>
-              <a:t>10/11/2023</a:t>
+              <a:t>10/13/2023</a:t>
             </a:fld>
             <a:endParaRPr lang="en-US"/>
           </a:p>
@@ -1939,7 +1935,7 @@
           <a:p>
             <a:fld id="{28E58353-CEF6-4A42-9D47-166BF13E0D00}" type="datetimeFigureOut">
               <a:rPr lang="en-US" smtClean="0"/>
-              <a:t>10/11/2023</a:t>
+              <a:t>10/13/2023</a:t>
             </a:fld>
             <a:endParaRPr lang="en-US"/>
           </a:p>
@@ -2204,7 +2200,7 @@
           <a:p>
             <a:fld id="{28E58353-CEF6-4A42-9D47-166BF13E0D00}" type="datetimeFigureOut">
               <a:rPr lang="en-US" smtClean="0"/>
-              <a:t>10/11/2023</a:t>
+              <a:t>10/13/2023</a:t>
             </a:fld>
             <a:endParaRPr lang="en-US"/>
           </a:p>
@@ -2616,7 +2612,7 @@
           <a:p>
             <a:fld id="{28E58353-CEF6-4A42-9D47-166BF13E0D00}" type="datetimeFigureOut">
               <a:rPr lang="en-US" smtClean="0"/>
-              <a:t>10/11/2023</a:t>
+              <a:t>10/13/2023</a:t>
             </a:fld>
             <a:endParaRPr lang="en-US"/>
           </a:p>
@@ -2757,7 +2753,7 @@
           <a:p>
             <a:fld id="{28E58353-CEF6-4A42-9D47-166BF13E0D00}" type="datetimeFigureOut">
               <a:rPr lang="en-US" smtClean="0"/>
-              <a:t>10/11/2023</a:t>
+              <a:t>10/13/2023</a:t>
             </a:fld>
             <a:endParaRPr lang="en-US"/>
           </a:p>
@@ -2870,7 +2866,7 @@
           <a:p>
             <a:fld id="{28E58353-CEF6-4A42-9D47-166BF13E0D00}" type="datetimeFigureOut">
               <a:rPr lang="en-US" smtClean="0"/>
-              <a:t>10/11/2023</a:t>
+              <a:t>10/13/2023</a:t>
             </a:fld>
             <a:endParaRPr lang="en-US"/>
           </a:p>
@@ -3181,7 +3177,7 @@
           <a:p>
             <a:fld id="{28E58353-CEF6-4A42-9D47-166BF13E0D00}" type="datetimeFigureOut">
               <a:rPr lang="en-US" smtClean="0"/>
-              <a:t>10/11/2023</a:t>
+              <a:t>10/13/2023</a:t>
             </a:fld>
             <a:endParaRPr lang="en-US"/>
           </a:p>
@@ -3469,7 +3465,7 @@
           <a:p>
             <a:fld id="{28E58353-CEF6-4A42-9D47-166BF13E0D00}" type="datetimeFigureOut">
               <a:rPr lang="en-US" smtClean="0"/>
-              <a:t>10/11/2023</a:t>
+              <a:t>10/13/2023</a:t>
             </a:fld>
             <a:endParaRPr lang="en-US"/>
           </a:p>
@@ -3710,7 +3706,7 @@
           <a:p>
             <a:fld id="{28E58353-CEF6-4A42-9D47-166BF13E0D00}" type="datetimeFigureOut">
               <a:rPr lang="en-US" smtClean="0"/>
-              <a:t>10/11/2023</a:t>
+              <a:t>10/13/2023</a:t>
             </a:fld>
             <a:endParaRPr lang="en-US"/>
           </a:p>
@@ -4190,10 +4186,9 @@
           <a:lstStyle/>
           <a:p>
             <a:r>
-              <a:rPr lang="en-US" sz="3600"/>
+              <a:rPr lang="en-US" sz="3600" dirty="0"/>
               <a:t>Lecture 17</a:t>
             </a:r>
-            <a:endParaRPr lang="en-US" sz="3600" dirty="0"/>
           </a:p>
           <a:p>
             <a:endParaRPr lang="en-US" sz="3600" dirty="0"/>
@@ -38122,1318 +38117,6 @@
 </p:sld>
 </file>
 
-<file path=ppt/slides/slide46.xml><?xml version="1.0" encoding="utf-8"?>
-<p:sld xmlns:a="http://schemas.openxmlformats.org/drawingml/2006/main" xmlns:r="http://schemas.openxmlformats.org/officeDocument/2006/relationships" xmlns:p="http://schemas.openxmlformats.org/presentationml/2006/main">
-  <p:cSld>
-    <p:spTree>
-      <p:nvGrpSpPr>
-        <p:cNvPr id="1" name=""/>
-        <p:cNvGrpSpPr/>
-        <p:nvPr/>
-      </p:nvGrpSpPr>
-      <p:grpSpPr>
-        <a:xfrm>
-          <a:off x="0" y="0"/>
-          <a:ext cx="0" cy="0"/>
-          <a:chOff x="0" y="0"/>
-          <a:chExt cx="0" cy="0"/>
-        </a:xfrm>
-      </p:grpSpPr>
-      <mc:AlternateContent xmlns:mc="http://schemas.openxmlformats.org/markup-compatibility/2006" xmlns:a14="http://schemas.microsoft.com/office/drawing/2010/main">
-        <mc:Choice Requires="a14">
-          <p:sp>
-            <p:nvSpPr>
-              <p:cNvPr id="2" name="Title 1">
-                <a:extLst>
-                  <a:ext uri="{FF2B5EF4-FFF2-40B4-BE49-F238E27FC236}">
-                    <a16:creationId xmlns:a16="http://schemas.microsoft.com/office/drawing/2014/main" id="{B17419AC-DCE6-4371-8DE2-D617E99D653D}"/>
-                  </a:ext>
-                </a:extLst>
-              </p:cNvPr>
-              <p:cNvSpPr>
-                <a:spLocks noGrp="1"/>
-              </p:cNvSpPr>
-              <p:nvPr>
-                <p:ph type="title"/>
-              </p:nvPr>
-            </p:nvSpPr>
-            <p:spPr/>
-            <p:txBody>
-              <a:bodyPr/>
-              <a:lstStyle/>
-              <a:p>
-                <a14:m>
-                  <m:oMath xmlns:m="http://schemas.openxmlformats.org/officeDocument/2006/math">
-                    <m:sSub>
-                      <m:sSubPr>
-                        <m:ctrlPr>
-                          <a:rPr lang="en-US" b="0" i="1" smtClean="0">
-                            <a:solidFill>
-                              <a:srgbClr val="C00000"/>
-                            </a:solidFill>
-                            <a:latin typeface="Cambria Math" panose="02040503050406030204" pitchFamily="18" charset="0"/>
-                          </a:rPr>
-                        </m:ctrlPr>
-                      </m:sSubPr>
-                      <m:e>
-                        <m:r>
-                          <a:rPr lang="en-US" b="0" i="1" smtClean="0">
-                            <a:solidFill>
-                              <a:srgbClr val="C00000"/>
-                            </a:solidFill>
-                            <a:latin typeface="Cambria Math" panose="02040503050406030204" pitchFamily="18" charset="0"/>
-                          </a:rPr>
-                          <m:t>𝐿</m:t>
-                        </m:r>
-                      </m:e>
-                      <m:sub>
-                        <m:r>
-                          <a:rPr lang="en-US" b="0" i="1" smtClean="0">
-                            <a:solidFill>
-                              <a:srgbClr val="C00000"/>
-                            </a:solidFill>
-                            <a:latin typeface="Cambria Math" panose="02040503050406030204" pitchFamily="18" charset="0"/>
-                          </a:rPr>
-                          <m:t>0</m:t>
-                        </m:r>
-                      </m:sub>
-                    </m:sSub>
-                  </m:oMath>
-                </a14:m>
-                <a:r>
-                  <a:rPr lang="en-US" dirty="0">
-                    <a:solidFill>
-                      <a:srgbClr val="C00000"/>
-                    </a:solidFill>
-                  </a:rPr>
-                  <a:t> Sampling</a:t>
-                </a:r>
-              </a:p>
-            </p:txBody>
-          </p:sp>
-        </mc:Choice>
-        <mc:Fallback xmlns="">
-          <p:sp>
-            <p:nvSpPr>
-              <p:cNvPr id="2" name="Title 1">
-                <a:extLst>
-                  <a:ext uri="{FF2B5EF4-FFF2-40B4-BE49-F238E27FC236}">
-                    <a16:creationId xmlns:a16="http://schemas.microsoft.com/office/drawing/2014/main" id="{B17419AC-DCE6-4371-8DE2-D617E99D653D}"/>
-                  </a:ext>
-                </a:extLst>
-              </p:cNvPr>
-              <p:cNvSpPr>
-                <a:spLocks noGrp="1" noRot="1" noChangeAspect="1" noMove="1" noResize="1" noEditPoints="1" noAdjustHandles="1" noChangeArrowheads="1" noChangeShapeType="1" noTextEdit="1"/>
-              </p:cNvSpPr>
-              <p:nvPr>
-                <p:ph type="title"/>
-              </p:nvPr>
-            </p:nvSpPr>
-            <p:spPr>
-              <a:blipFill>
-                <a:blip r:embed="rId2"/>
-                <a:stretch>
-                  <a:fillRect/>
-                </a:stretch>
-              </a:blipFill>
-            </p:spPr>
-            <p:txBody>
-              <a:bodyPr/>
-              <a:lstStyle/>
-              <a:p>
-                <a:r>
-                  <a:rPr lang="en-US">
-                    <a:noFill/>
-                  </a:rPr>
-                  <a:t> </a:t>
-                </a:r>
-              </a:p>
-            </p:txBody>
-          </p:sp>
-        </mc:Fallback>
-      </mc:AlternateContent>
-      <mc:AlternateContent xmlns:mc="http://schemas.openxmlformats.org/markup-compatibility/2006" xmlns:a14="http://schemas.microsoft.com/office/drawing/2010/main">
-        <mc:Choice Requires="a14">
-          <p:sp>
-            <p:nvSpPr>
-              <p:cNvPr id="5" name="Content Placeholder 3">
-                <a:extLst>
-                  <a:ext uri="{FF2B5EF4-FFF2-40B4-BE49-F238E27FC236}">
-                    <a16:creationId xmlns:a16="http://schemas.microsoft.com/office/drawing/2014/main" id="{46EDD9D9-1338-4BC5-9D28-964A84C143C2}"/>
-                  </a:ext>
-                </a:extLst>
-              </p:cNvPr>
-              <p:cNvSpPr>
-                <a:spLocks noGrp="1"/>
-              </p:cNvSpPr>
-              <p:nvPr>
-                <p:ph idx="1"/>
-              </p:nvPr>
-            </p:nvSpPr>
-            <p:spPr>
-              <a:xfrm>
-                <a:off x="838200" y="1825625"/>
-                <a:ext cx="10515600" cy="4351338"/>
-              </a:xfrm>
-            </p:spPr>
-            <p:txBody>
-              <a:bodyPr>
-                <a:normAutofit/>
-              </a:bodyPr>
-              <a:lstStyle/>
-              <a:p>
-                <a:r>
-                  <a:rPr lang="en-US" dirty="0"/>
-                  <a:t>Given a set </a:t>
-                </a:r>
-                <a14:m>
-                  <m:oMath xmlns:m="http://schemas.openxmlformats.org/officeDocument/2006/math">
-                    <m:r>
-                      <a:rPr lang="en-US" i="1" smtClean="0">
-                        <a:solidFill>
-                          <a:srgbClr val="C00000"/>
-                        </a:solidFill>
-                        <a:latin typeface="Cambria Math" panose="02040503050406030204" pitchFamily="18" charset="0"/>
-                      </a:rPr>
-                      <m:t>𝑆</m:t>
-                    </m:r>
-                  </m:oMath>
-                </a14:m>
-                <a:r>
-                  <a:rPr lang="en-US" dirty="0"/>
-                  <a:t> of </a:t>
-                </a:r>
-                <a14:m>
-                  <m:oMath xmlns:m="http://schemas.openxmlformats.org/officeDocument/2006/math">
-                    <m:r>
-                      <a:rPr lang="en-US" i="1" smtClean="0">
-                        <a:solidFill>
-                          <a:srgbClr val="C00000"/>
-                        </a:solidFill>
-                        <a:latin typeface="Cambria Math" panose="02040503050406030204" pitchFamily="18" charset="0"/>
-                      </a:rPr>
-                      <m:t>𝑚</m:t>
-                    </m:r>
-                  </m:oMath>
-                </a14:m>
-                <a:r>
-                  <a:rPr lang="en-US" dirty="0"/>
-                  <a:t> elements from </a:t>
-                </a:r>
-                <a14:m>
-                  <m:oMath xmlns:m="http://schemas.openxmlformats.org/officeDocument/2006/math">
-                    <m:r>
-                      <a:rPr lang="en-US" i="1" smtClean="0">
-                        <a:solidFill>
-                          <a:srgbClr val="C00000"/>
-                        </a:solidFill>
-                        <a:latin typeface="Cambria Math" panose="02040503050406030204" pitchFamily="18" charset="0"/>
-                      </a:rPr>
-                      <m:t>[</m:t>
-                    </m:r>
-                    <m:r>
-                      <a:rPr lang="en-US" i="1" smtClean="0">
-                        <a:solidFill>
-                          <a:srgbClr val="C00000"/>
-                        </a:solidFill>
-                        <a:latin typeface="Cambria Math" panose="02040503050406030204" pitchFamily="18" charset="0"/>
-                      </a:rPr>
-                      <m:t>𝑛</m:t>
-                    </m:r>
-                    <m:r>
-                      <a:rPr lang="en-US" i="1" smtClean="0">
-                        <a:solidFill>
-                          <a:srgbClr val="C00000"/>
-                        </a:solidFill>
-                        <a:latin typeface="Cambria Math" panose="02040503050406030204" pitchFamily="18" charset="0"/>
-                      </a:rPr>
-                      <m:t>]</m:t>
-                    </m:r>
-                  </m:oMath>
-                </a14:m>
-                <a:r>
-                  <a:rPr lang="en-US" dirty="0"/>
-                  <a:t>, let </a:t>
-                </a:r>
-                <a14:m>
-                  <m:oMath xmlns:m="http://schemas.openxmlformats.org/officeDocument/2006/math">
-                    <m:r>
-                      <a:rPr lang="en-US" b="0" i="1" smtClean="0">
-                        <a:solidFill>
-                          <a:srgbClr val="C00000"/>
-                        </a:solidFill>
-                        <a:latin typeface="Cambria Math" panose="02040503050406030204" pitchFamily="18" charset="0"/>
-                      </a:rPr>
-                      <m:t>𝑁</m:t>
-                    </m:r>
-                  </m:oMath>
-                </a14:m>
-                <a:r>
-                  <a:rPr lang="en-US" dirty="0">
-                    <a:solidFill>
-                      <a:schemeClr val="tx1"/>
-                    </a:solidFill>
-                  </a:rPr>
-                  <a:t> be the number of distinct elements in </a:t>
-                </a:r>
-                <a14:m>
-                  <m:oMath xmlns:m="http://schemas.openxmlformats.org/officeDocument/2006/math">
-                    <m:r>
-                      <a:rPr lang="en-US" i="1">
-                        <a:solidFill>
-                          <a:srgbClr val="C00000"/>
-                        </a:solidFill>
-                        <a:latin typeface="Cambria Math" panose="02040503050406030204" pitchFamily="18" charset="0"/>
-                      </a:rPr>
-                      <m:t>𝑆</m:t>
-                    </m:r>
-                  </m:oMath>
-                </a14:m>
-                <a:endParaRPr lang="en-US" dirty="0">
-                  <a:solidFill>
-                    <a:schemeClr val="tx1"/>
-                  </a:solidFill>
-                </a:endParaRPr>
-              </a:p>
-              <a:p>
-                <a:pPr>
-                  <a:buClr>
-                    <a:schemeClr val="tx1"/>
-                  </a:buClr>
-                </a:pPr>
-                <a:r>
-                  <a:rPr lang="en-US" dirty="0">
-                    <a:solidFill>
-                      <a:srgbClr val="00B050"/>
-                    </a:solidFill>
-                  </a:rPr>
-                  <a:t>Goal</a:t>
-                </a:r>
-                <a:r>
-                  <a:rPr lang="en-US" dirty="0"/>
-                  <a:t>: Return a random sample, so that each item from </a:t>
-                </a:r>
-                <a14:m>
-                  <m:oMath xmlns:m="http://schemas.openxmlformats.org/officeDocument/2006/math">
-                    <m:r>
-                      <a:rPr lang="en-US" i="1" smtClean="0">
-                        <a:solidFill>
-                          <a:srgbClr val="C00000"/>
-                        </a:solidFill>
-                        <a:latin typeface="Cambria Math" panose="02040503050406030204" pitchFamily="18" charset="0"/>
-                      </a:rPr>
-                      <m:t>𝑆</m:t>
-                    </m:r>
-                  </m:oMath>
-                </a14:m>
-                <a:r>
-                  <a:rPr lang="en-US" dirty="0"/>
-                  <a:t> is chosen with probability </a:t>
-                </a:r>
-                <a14:m>
-                  <m:oMath xmlns:m="http://schemas.openxmlformats.org/officeDocument/2006/math">
-                    <m:f>
-                      <m:fPr>
-                        <m:ctrlPr>
-                          <a:rPr lang="en-US" i="1">
-                            <a:solidFill>
-                              <a:srgbClr val="C00000"/>
-                            </a:solidFill>
-                            <a:latin typeface="Cambria Math" panose="02040503050406030204" pitchFamily="18" charset="0"/>
-                          </a:rPr>
-                        </m:ctrlPr>
-                      </m:fPr>
-                      <m:num>
-                        <m:r>
-                          <a:rPr lang="en-US">
-                            <a:solidFill>
-                              <a:srgbClr val="C00000"/>
-                            </a:solidFill>
-                            <a:latin typeface="Cambria Math" panose="02040503050406030204" pitchFamily="18" charset="0"/>
-                          </a:rPr>
-                          <m:t>1</m:t>
-                        </m:r>
-                      </m:num>
-                      <m:den>
-                        <m:r>
-                          <a:rPr lang="en-US" i="1">
-                            <a:solidFill>
-                              <a:srgbClr val="C00000"/>
-                            </a:solidFill>
-                            <a:latin typeface="Cambria Math" panose="02040503050406030204" pitchFamily="18" charset="0"/>
-                          </a:rPr>
-                          <m:t>𝑁</m:t>
-                        </m:r>
-                      </m:den>
-                    </m:f>
-                    <m:r>
-                      <a:rPr lang="en-US" i="1">
-                        <a:solidFill>
-                          <a:srgbClr val="C00000"/>
-                        </a:solidFill>
-                        <a:latin typeface="Cambria Math" panose="02040503050406030204" pitchFamily="18" charset="0"/>
-                      </a:rPr>
-                      <m:t>±</m:t>
-                    </m:r>
-                    <m:f>
-                      <m:fPr>
-                        <m:ctrlPr>
-                          <a:rPr lang="en-US" i="1">
-                            <a:solidFill>
-                              <a:srgbClr val="C00000"/>
-                            </a:solidFill>
-                            <a:latin typeface="Cambria Math" panose="02040503050406030204" pitchFamily="18" charset="0"/>
-                          </a:rPr>
-                        </m:ctrlPr>
-                      </m:fPr>
-                      <m:num>
-                        <m:r>
-                          <a:rPr lang="en-US" i="1">
-                            <a:solidFill>
-                              <a:srgbClr val="C00000"/>
-                            </a:solidFill>
-                            <a:latin typeface="Cambria Math" panose="02040503050406030204" pitchFamily="18" charset="0"/>
-                          </a:rPr>
-                          <m:t>1</m:t>
-                        </m:r>
-                      </m:num>
-                      <m:den>
-                        <m:r>
-                          <m:rPr>
-                            <m:sty m:val="p"/>
-                          </m:rPr>
-                          <a:rPr lang="en-US" b="0" i="0" smtClean="0">
-                            <a:solidFill>
-                              <a:srgbClr val="C00000"/>
-                            </a:solidFill>
-                            <a:latin typeface="Cambria Math" panose="02040503050406030204" pitchFamily="18" charset="0"/>
-                          </a:rPr>
-                          <m:t>poly</m:t>
-                        </m:r>
-                        <m:r>
-                          <a:rPr lang="en-US" b="0" i="0" smtClean="0">
-                            <a:solidFill>
-                              <a:srgbClr val="C00000"/>
-                            </a:solidFill>
-                            <a:latin typeface="Cambria Math" panose="02040503050406030204" pitchFamily="18" charset="0"/>
-                          </a:rPr>
-                          <m:t>(</m:t>
-                        </m:r>
-                        <m:r>
-                          <a:rPr lang="en-US" b="0" i="1" smtClean="0">
-                            <a:solidFill>
-                              <a:srgbClr val="C00000"/>
-                            </a:solidFill>
-                            <a:latin typeface="Cambria Math" panose="02040503050406030204" pitchFamily="18" charset="0"/>
-                          </a:rPr>
-                          <m:t>𝑁</m:t>
-                        </m:r>
-                        <m:r>
-                          <a:rPr lang="en-US" b="0" i="1" smtClean="0">
-                            <a:solidFill>
-                              <a:srgbClr val="C00000"/>
-                            </a:solidFill>
-                            <a:latin typeface="Cambria Math" panose="02040503050406030204" pitchFamily="18" charset="0"/>
-                          </a:rPr>
-                          <m:t>)</m:t>
-                        </m:r>
-                      </m:den>
-                    </m:f>
-                  </m:oMath>
-                </a14:m>
-                <a:r>
-                  <a:rPr lang="en-US" dirty="0"/>
-                  <a:t>, say </a:t>
-                </a:r>
-                <a14:m>
-                  <m:oMath xmlns:m="http://schemas.openxmlformats.org/officeDocument/2006/math">
-                    <m:f>
-                      <m:fPr>
-                        <m:ctrlPr>
-                          <a:rPr lang="en-US" b="0" i="1" smtClean="0">
-                            <a:solidFill>
-                              <a:srgbClr val="C00000"/>
-                            </a:solidFill>
-                            <a:latin typeface="Cambria Math" panose="02040503050406030204" pitchFamily="18" charset="0"/>
-                          </a:rPr>
-                        </m:ctrlPr>
-                      </m:fPr>
-                      <m:num>
-                        <m:r>
-                          <a:rPr lang="en-US" b="0" i="0" smtClean="0">
-                            <a:solidFill>
-                              <a:srgbClr val="C00000"/>
-                            </a:solidFill>
-                            <a:latin typeface="Cambria Math" panose="02040503050406030204" pitchFamily="18" charset="0"/>
-                          </a:rPr>
-                          <m:t>1</m:t>
-                        </m:r>
-                      </m:num>
-                      <m:den>
-                        <m:r>
-                          <a:rPr lang="en-US" i="1">
-                            <a:solidFill>
-                              <a:srgbClr val="C00000"/>
-                            </a:solidFill>
-                            <a:latin typeface="Cambria Math" panose="02040503050406030204" pitchFamily="18" charset="0"/>
-                          </a:rPr>
-                          <m:t>𝑁</m:t>
-                        </m:r>
-                      </m:den>
-                    </m:f>
-                    <m:r>
-                      <a:rPr lang="en-US" b="0" i="1" smtClean="0">
-                        <a:solidFill>
-                          <a:srgbClr val="C00000"/>
-                        </a:solidFill>
-                        <a:latin typeface="Cambria Math" panose="02040503050406030204" pitchFamily="18" charset="0"/>
-                      </a:rPr>
-                      <m:t>±</m:t>
-                    </m:r>
-                    <m:f>
-                      <m:fPr>
-                        <m:ctrlPr>
-                          <a:rPr lang="en-US" b="0" i="1" smtClean="0">
-                            <a:solidFill>
-                              <a:srgbClr val="C00000"/>
-                            </a:solidFill>
-                            <a:latin typeface="Cambria Math" panose="02040503050406030204" pitchFamily="18" charset="0"/>
-                          </a:rPr>
-                        </m:ctrlPr>
-                      </m:fPr>
-                      <m:num>
-                        <m:r>
-                          <a:rPr lang="en-US" b="0" i="1" smtClean="0">
-                            <a:solidFill>
-                              <a:srgbClr val="C00000"/>
-                            </a:solidFill>
-                            <a:latin typeface="Cambria Math" panose="02040503050406030204" pitchFamily="18" charset="0"/>
-                          </a:rPr>
-                          <m:t>1</m:t>
-                        </m:r>
-                      </m:num>
-                      <m:den>
-                        <m:sSup>
-                          <m:sSupPr>
-                            <m:ctrlPr>
-                              <a:rPr lang="en-US" b="0" i="1" smtClean="0">
-                                <a:solidFill>
-                                  <a:srgbClr val="C00000"/>
-                                </a:solidFill>
-                                <a:latin typeface="Cambria Math" panose="02040503050406030204" pitchFamily="18" charset="0"/>
-                              </a:rPr>
-                            </m:ctrlPr>
-                          </m:sSupPr>
-                          <m:e>
-                            <m:r>
-                              <a:rPr lang="en-US" b="0" i="1" smtClean="0">
-                                <a:solidFill>
-                                  <a:srgbClr val="C00000"/>
-                                </a:solidFill>
-                                <a:latin typeface="Cambria Math" panose="02040503050406030204" pitchFamily="18" charset="0"/>
-                              </a:rPr>
-                              <m:t>𝑁</m:t>
-                            </m:r>
-                          </m:e>
-                          <m:sup>
-                            <m:r>
-                              <a:rPr lang="en-US" b="0" i="1" smtClean="0">
-                                <a:solidFill>
-                                  <a:srgbClr val="C00000"/>
-                                </a:solidFill>
-                                <a:latin typeface="Cambria Math" panose="02040503050406030204" pitchFamily="18" charset="0"/>
-                              </a:rPr>
-                              <m:t>1000</m:t>
-                            </m:r>
-                          </m:sup>
-                        </m:sSup>
-                      </m:den>
-                    </m:f>
-                  </m:oMath>
-                </a14:m>
-                <a:endParaRPr lang="en-US" dirty="0"/>
-              </a:p>
-              <a:p>
-                <a:pPr marL="457200" lvl="1" indent="0">
-                  <a:buClr>
-                    <a:schemeClr val="tx1"/>
-                  </a:buClr>
-                  <a:buNone/>
-                </a:pPr>
-                <a:endParaRPr lang="en-US" dirty="0"/>
-              </a:p>
-              <a:p>
-                <a:pPr marL="457200" lvl="1" indent="0">
-                  <a:buClr>
-                    <a:schemeClr val="tx1"/>
-                  </a:buClr>
-                  <a:buNone/>
-                </a:pPr>
-                <a:endParaRPr lang="en-US" dirty="0">
-                  <a:solidFill>
-                    <a:schemeClr val="tx1"/>
-                  </a:solidFill>
-                </a:endParaRPr>
-              </a:p>
-              <a:p>
-                <a:pPr>
-                  <a:buClr>
-                    <a:schemeClr val="tx1"/>
-                  </a:buClr>
-                </a:pPr>
-                <a:r>
-                  <a:rPr lang="en-US" dirty="0">
-                    <a:solidFill>
-                      <a:srgbClr val="00B050"/>
-                    </a:solidFill>
-                  </a:rPr>
-                  <a:t>Motivation</a:t>
-                </a:r>
-                <a:r>
-                  <a:rPr lang="en-US" dirty="0"/>
-                  <a:t>: Data summarization</a:t>
-                </a:r>
-              </a:p>
-            </p:txBody>
-          </p:sp>
-        </mc:Choice>
-        <mc:Fallback xmlns="">
-          <p:sp>
-            <p:nvSpPr>
-              <p:cNvPr id="5" name="Content Placeholder 3">
-                <a:extLst>
-                  <a:ext uri="{FF2B5EF4-FFF2-40B4-BE49-F238E27FC236}">
-                    <a16:creationId xmlns:a16="http://schemas.microsoft.com/office/drawing/2014/main" id="{46EDD9D9-1338-4BC5-9D28-964A84C143C2}"/>
-                  </a:ext>
-                </a:extLst>
-              </p:cNvPr>
-              <p:cNvSpPr>
-                <a:spLocks noGrp="1" noRot="1" noChangeAspect="1" noMove="1" noResize="1" noEditPoints="1" noAdjustHandles="1" noChangeArrowheads="1" noChangeShapeType="1" noTextEdit="1"/>
-              </p:cNvSpPr>
-              <p:nvPr>
-                <p:ph idx="1"/>
-              </p:nvPr>
-            </p:nvSpPr>
-            <p:spPr>
-              <a:xfrm>
-                <a:off x="838200" y="1825625"/>
-                <a:ext cx="10515600" cy="4351338"/>
-              </a:xfrm>
-              <a:blipFill>
-                <a:blip r:embed="rId3"/>
-                <a:stretch>
-                  <a:fillRect l="-1043" t="-2241" r="-1043"/>
-                </a:stretch>
-              </a:blipFill>
-            </p:spPr>
-            <p:txBody>
-              <a:bodyPr/>
-              <a:lstStyle/>
-              <a:p>
-                <a:r>
-                  <a:rPr lang="en-US">
-                    <a:noFill/>
-                  </a:rPr>
-                  <a:t> </a:t>
-                </a:r>
-              </a:p>
-            </p:txBody>
-          </p:sp>
-        </mc:Fallback>
-      </mc:AlternateContent>
-    </p:spTree>
-    <p:extLst>
-      <p:ext uri="{BB962C8B-B14F-4D97-AF65-F5344CB8AC3E}">
-        <p14:creationId xmlns:p14="http://schemas.microsoft.com/office/powerpoint/2010/main" val="2525532230"/>
-      </p:ext>
-    </p:extLst>
-  </p:cSld>
-  <p:clrMapOvr>
-    <a:masterClrMapping/>
-  </p:clrMapOvr>
-</p:sld>
-</file>
-
-<file path=ppt/slides/slide47.xml><?xml version="1.0" encoding="utf-8"?>
-<p:sld xmlns:a="http://schemas.openxmlformats.org/drawingml/2006/main" xmlns:r="http://schemas.openxmlformats.org/officeDocument/2006/relationships" xmlns:p="http://schemas.openxmlformats.org/presentationml/2006/main">
-  <p:cSld>
-    <p:spTree>
-      <p:nvGrpSpPr>
-        <p:cNvPr id="1" name=""/>
-        <p:cNvGrpSpPr/>
-        <p:nvPr/>
-      </p:nvGrpSpPr>
-      <p:grpSpPr>
-        <a:xfrm>
-          <a:off x="0" y="0"/>
-          <a:ext cx="0" cy="0"/>
-          <a:chOff x="0" y="0"/>
-          <a:chExt cx="0" cy="0"/>
-        </a:xfrm>
-      </p:grpSpPr>
-      <mc:AlternateContent xmlns:mc="http://schemas.openxmlformats.org/markup-compatibility/2006" xmlns:a14="http://schemas.microsoft.com/office/drawing/2010/main">
-        <mc:Choice Requires="a14">
-          <p:sp>
-            <p:nvSpPr>
-              <p:cNvPr id="2" name="Title 1">
-                <a:extLst>
-                  <a:ext uri="{FF2B5EF4-FFF2-40B4-BE49-F238E27FC236}">
-                    <a16:creationId xmlns:a16="http://schemas.microsoft.com/office/drawing/2014/main" id="{B17419AC-DCE6-4371-8DE2-D617E99D653D}"/>
-                  </a:ext>
-                </a:extLst>
-              </p:cNvPr>
-              <p:cNvSpPr>
-                <a:spLocks noGrp="1"/>
-              </p:cNvSpPr>
-              <p:nvPr>
-                <p:ph type="title"/>
-              </p:nvPr>
-            </p:nvSpPr>
-            <p:spPr/>
-            <p:txBody>
-              <a:bodyPr/>
-              <a:lstStyle/>
-              <a:p>
-                <a14:m>
-                  <m:oMath xmlns:m="http://schemas.openxmlformats.org/officeDocument/2006/math">
-                    <m:sSub>
-                      <m:sSubPr>
-                        <m:ctrlPr>
-                          <a:rPr lang="en-US" b="0" i="1" smtClean="0">
-                            <a:solidFill>
-                              <a:srgbClr val="C00000"/>
-                            </a:solidFill>
-                            <a:latin typeface="Cambria Math" panose="02040503050406030204" pitchFamily="18" charset="0"/>
-                          </a:rPr>
-                        </m:ctrlPr>
-                      </m:sSubPr>
-                      <m:e>
-                        <m:r>
-                          <a:rPr lang="en-US" b="0" i="1" smtClean="0">
-                            <a:solidFill>
-                              <a:srgbClr val="C00000"/>
-                            </a:solidFill>
-                            <a:latin typeface="Cambria Math" panose="02040503050406030204" pitchFamily="18" charset="0"/>
-                          </a:rPr>
-                          <m:t>𝐿</m:t>
-                        </m:r>
-                      </m:e>
-                      <m:sub>
-                        <m:r>
-                          <a:rPr lang="en-US" b="0" i="1" smtClean="0">
-                            <a:solidFill>
-                              <a:srgbClr val="C00000"/>
-                            </a:solidFill>
-                            <a:latin typeface="Cambria Math" panose="02040503050406030204" pitchFamily="18" charset="0"/>
-                          </a:rPr>
-                          <m:t>0</m:t>
-                        </m:r>
-                      </m:sub>
-                    </m:sSub>
-                  </m:oMath>
-                </a14:m>
-                <a:r>
-                  <a:rPr lang="en-US" dirty="0">
-                    <a:solidFill>
-                      <a:srgbClr val="C00000"/>
-                    </a:solidFill>
-                  </a:rPr>
-                  <a:t> Sampling</a:t>
-                </a:r>
-              </a:p>
-            </p:txBody>
-          </p:sp>
-        </mc:Choice>
-        <mc:Fallback xmlns="">
-          <p:sp>
-            <p:nvSpPr>
-              <p:cNvPr id="2" name="Title 1">
-                <a:extLst>
-                  <a:ext uri="{FF2B5EF4-FFF2-40B4-BE49-F238E27FC236}">
-                    <a16:creationId xmlns:a16="http://schemas.microsoft.com/office/drawing/2014/main" id="{B17419AC-DCE6-4371-8DE2-D617E99D653D}"/>
-                  </a:ext>
-                </a:extLst>
-              </p:cNvPr>
-              <p:cNvSpPr>
-                <a:spLocks noGrp="1" noRot="1" noChangeAspect="1" noMove="1" noResize="1" noEditPoints="1" noAdjustHandles="1" noChangeArrowheads="1" noChangeShapeType="1" noTextEdit="1"/>
-              </p:cNvSpPr>
-              <p:nvPr>
-                <p:ph type="title"/>
-              </p:nvPr>
-            </p:nvSpPr>
-            <p:spPr>
-              <a:blipFill>
-                <a:blip r:embed="rId2"/>
-                <a:stretch>
-                  <a:fillRect/>
-                </a:stretch>
-              </a:blipFill>
-            </p:spPr>
-            <p:txBody>
-              <a:bodyPr/>
-              <a:lstStyle/>
-              <a:p>
-                <a:r>
-                  <a:rPr lang="en-US">
-                    <a:noFill/>
-                  </a:rPr>
-                  <a:t> </a:t>
-                </a:r>
-              </a:p>
-            </p:txBody>
-          </p:sp>
-        </mc:Fallback>
-      </mc:AlternateContent>
-      <p:sp>
-        <p:nvSpPr>
-          <p:cNvPr id="5" name="Content Placeholder 3">
-            <a:extLst>
-              <a:ext uri="{FF2B5EF4-FFF2-40B4-BE49-F238E27FC236}">
-                <a16:creationId xmlns:a16="http://schemas.microsoft.com/office/drawing/2014/main" id="{46EDD9D9-1338-4BC5-9D28-964A84C143C2}"/>
-              </a:ext>
-            </a:extLst>
-          </p:cNvPr>
-          <p:cNvSpPr>
-            <a:spLocks noGrp="1"/>
-          </p:cNvSpPr>
-          <p:nvPr>
-            <p:ph idx="1"/>
-          </p:nvPr>
-        </p:nvSpPr>
-        <p:spPr>
-          <a:xfrm>
-            <a:off x="838200" y="1825625"/>
-            <a:ext cx="10515600" cy="4351338"/>
-          </a:xfrm>
-        </p:spPr>
-        <p:txBody>
-          <a:bodyPr>
-            <a:normAutofit/>
-          </a:bodyPr>
-          <a:lstStyle/>
-          <a:p>
-            <a:r>
-              <a:rPr lang="en-US" dirty="0"/>
-              <a:t>Remember reservoir sampling? Does that work?</a:t>
-            </a:r>
-          </a:p>
-        </p:txBody>
-      </p:sp>
-    </p:spTree>
-    <p:extLst>
-      <p:ext uri="{BB962C8B-B14F-4D97-AF65-F5344CB8AC3E}">
-        <p14:creationId xmlns:p14="http://schemas.microsoft.com/office/powerpoint/2010/main" val="2533251319"/>
-      </p:ext>
-    </p:extLst>
-  </p:cSld>
-  <p:clrMapOvr>
-    <a:masterClrMapping/>
-  </p:clrMapOvr>
-</p:sld>
-</file>
-
-<file path=ppt/slides/slide48.xml><?xml version="1.0" encoding="utf-8"?>
-<p:sld xmlns:a="http://schemas.openxmlformats.org/drawingml/2006/main" xmlns:r="http://schemas.openxmlformats.org/officeDocument/2006/relationships" xmlns:p="http://schemas.openxmlformats.org/presentationml/2006/main">
-  <p:cSld>
-    <p:spTree>
-      <p:nvGrpSpPr>
-        <p:cNvPr id="1" name=""/>
-        <p:cNvGrpSpPr/>
-        <p:nvPr/>
-      </p:nvGrpSpPr>
-      <p:grpSpPr>
-        <a:xfrm>
-          <a:off x="0" y="0"/>
-          <a:ext cx="0" cy="0"/>
-          <a:chOff x="0" y="0"/>
-          <a:chExt cx="0" cy="0"/>
-        </a:xfrm>
-      </p:grpSpPr>
-      <mc:AlternateContent xmlns:mc="http://schemas.openxmlformats.org/markup-compatibility/2006" xmlns:a14="http://schemas.microsoft.com/office/drawing/2010/main">
-        <mc:Choice Requires="a14">
-          <p:sp>
-            <p:nvSpPr>
-              <p:cNvPr id="2" name="Title 1">
-                <a:extLst>
-                  <a:ext uri="{FF2B5EF4-FFF2-40B4-BE49-F238E27FC236}">
-                    <a16:creationId xmlns:a16="http://schemas.microsoft.com/office/drawing/2014/main" id="{B17419AC-DCE6-4371-8DE2-D617E99D653D}"/>
-                  </a:ext>
-                </a:extLst>
-              </p:cNvPr>
-              <p:cNvSpPr>
-                <a:spLocks noGrp="1"/>
-              </p:cNvSpPr>
-              <p:nvPr>
-                <p:ph type="title"/>
-              </p:nvPr>
-            </p:nvSpPr>
-            <p:spPr/>
-            <p:txBody>
-              <a:bodyPr/>
-              <a:lstStyle/>
-              <a:p>
-                <a14:m>
-                  <m:oMath xmlns:m="http://schemas.openxmlformats.org/officeDocument/2006/math">
-                    <m:sSub>
-                      <m:sSubPr>
-                        <m:ctrlPr>
-                          <a:rPr lang="en-US" b="0" i="1" smtClean="0">
-                            <a:solidFill>
-                              <a:srgbClr val="C00000"/>
-                            </a:solidFill>
-                            <a:latin typeface="Cambria Math" panose="02040503050406030204" pitchFamily="18" charset="0"/>
-                          </a:rPr>
-                        </m:ctrlPr>
-                      </m:sSubPr>
-                      <m:e>
-                        <m:r>
-                          <a:rPr lang="en-US" b="0" i="1" smtClean="0">
-                            <a:solidFill>
-                              <a:srgbClr val="C00000"/>
-                            </a:solidFill>
-                            <a:latin typeface="Cambria Math" panose="02040503050406030204" pitchFamily="18" charset="0"/>
-                          </a:rPr>
-                          <m:t>𝐿</m:t>
-                        </m:r>
-                      </m:e>
-                      <m:sub>
-                        <m:r>
-                          <a:rPr lang="en-US" b="0" i="1" smtClean="0">
-                            <a:solidFill>
-                              <a:srgbClr val="C00000"/>
-                            </a:solidFill>
-                            <a:latin typeface="Cambria Math" panose="02040503050406030204" pitchFamily="18" charset="0"/>
-                          </a:rPr>
-                          <m:t>0</m:t>
-                        </m:r>
-                      </m:sub>
-                    </m:sSub>
-                  </m:oMath>
-                </a14:m>
-                <a:r>
-                  <a:rPr lang="en-US" dirty="0">
-                    <a:solidFill>
-                      <a:srgbClr val="C00000"/>
-                    </a:solidFill>
-                  </a:rPr>
-                  <a:t> Sampling</a:t>
-                </a:r>
-              </a:p>
-            </p:txBody>
-          </p:sp>
-        </mc:Choice>
-        <mc:Fallback xmlns="">
-          <p:sp>
-            <p:nvSpPr>
-              <p:cNvPr id="2" name="Title 1">
-                <a:extLst>
-                  <a:ext uri="{FF2B5EF4-FFF2-40B4-BE49-F238E27FC236}">
-                    <a16:creationId xmlns:a16="http://schemas.microsoft.com/office/drawing/2014/main" id="{B17419AC-DCE6-4371-8DE2-D617E99D653D}"/>
-                  </a:ext>
-                </a:extLst>
-              </p:cNvPr>
-              <p:cNvSpPr>
-                <a:spLocks noGrp="1" noRot="1" noChangeAspect="1" noMove="1" noResize="1" noEditPoints="1" noAdjustHandles="1" noChangeArrowheads="1" noChangeShapeType="1" noTextEdit="1"/>
-              </p:cNvSpPr>
-              <p:nvPr>
-                <p:ph type="title"/>
-              </p:nvPr>
-            </p:nvSpPr>
-            <p:spPr>
-              <a:blipFill>
-                <a:blip r:embed="rId2"/>
-                <a:stretch>
-                  <a:fillRect/>
-                </a:stretch>
-              </a:blipFill>
-            </p:spPr>
-            <p:txBody>
-              <a:bodyPr/>
-              <a:lstStyle/>
-              <a:p>
-                <a:r>
-                  <a:rPr lang="en-US">
-                    <a:noFill/>
-                  </a:rPr>
-                  <a:t> </a:t>
-                </a:r>
-              </a:p>
-            </p:txBody>
-          </p:sp>
-        </mc:Fallback>
-      </mc:AlternateContent>
-      <p:sp>
-        <p:nvSpPr>
-          <p:cNvPr id="5" name="Content Placeholder 3">
-            <a:extLst>
-              <a:ext uri="{FF2B5EF4-FFF2-40B4-BE49-F238E27FC236}">
-                <a16:creationId xmlns:a16="http://schemas.microsoft.com/office/drawing/2014/main" id="{46EDD9D9-1338-4BC5-9D28-964A84C143C2}"/>
-              </a:ext>
-            </a:extLst>
-          </p:cNvPr>
-          <p:cNvSpPr>
-            <a:spLocks noGrp="1"/>
-          </p:cNvSpPr>
-          <p:nvPr>
-            <p:ph idx="1"/>
-          </p:nvPr>
-        </p:nvSpPr>
-        <p:spPr>
-          <a:xfrm>
-            <a:off x="838200" y="1825625"/>
-            <a:ext cx="10515600" cy="4351338"/>
-          </a:xfrm>
-        </p:spPr>
-        <p:txBody>
-          <a:bodyPr>
-            <a:normAutofit/>
-          </a:bodyPr>
-          <a:lstStyle/>
-          <a:p>
-            <a:r>
-              <a:rPr lang="en-US" dirty="0"/>
-              <a:t>Remember reservoir sampling? Does that work? </a:t>
-            </a:r>
-            <a:r>
-              <a:rPr lang="en-US" dirty="0">
-                <a:solidFill>
-                  <a:srgbClr val="FF0000"/>
-                </a:solidFill>
-              </a:rPr>
-              <a:t>NO!</a:t>
-            </a:r>
-            <a:endParaRPr lang="en-US" dirty="0"/>
-          </a:p>
-        </p:txBody>
-      </p:sp>
-      <p:sp>
-        <p:nvSpPr>
-          <p:cNvPr id="3" name="TextBox 2">
-            <a:extLst>
-              <a:ext uri="{FF2B5EF4-FFF2-40B4-BE49-F238E27FC236}">
-                <a16:creationId xmlns:a16="http://schemas.microsoft.com/office/drawing/2014/main" id="{9A2D245E-43DF-0E7A-2B8A-79069E98BBA2}"/>
-              </a:ext>
-            </a:extLst>
-          </p:cNvPr>
-          <p:cNvSpPr txBox="1"/>
-          <p:nvPr/>
-        </p:nvSpPr>
-        <p:spPr>
-          <a:xfrm>
-            <a:off x="838200" y="3661378"/>
-            <a:ext cx="10735236" cy="923330"/>
-          </a:xfrm>
-          <a:prstGeom prst="rect">
-            <a:avLst/>
-          </a:prstGeom>
-          <a:noFill/>
-        </p:spPr>
-        <p:txBody>
-          <a:bodyPr wrap="square" rtlCol="0">
-            <a:spAutoFit/>
-          </a:bodyPr>
-          <a:lstStyle/>
-          <a:p>
-            <a:r>
-              <a:rPr lang="en-US" sz="5400" dirty="0"/>
-              <a:t>1 2 2 2 2 2 2 2 2 2 2 2 2 2 2 2 2 2 2 2 2 </a:t>
-            </a:r>
-          </a:p>
-        </p:txBody>
-      </p:sp>
-    </p:spTree>
-    <p:extLst>
-      <p:ext uri="{BB962C8B-B14F-4D97-AF65-F5344CB8AC3E}">
-        <p14:creationId xmlns:p14="http://schemas.microsoft.com/office/powerpoint/2010/main" val="3523706571"/>
-      </p:ext>
-    </p:extLst>
-  </p:cSld>
-  <p:clrMapOvr>
-    <a:masterClrMapping/>
-  </p:clrMapOvr>
-</p:sld>
-</file>
-
-<file path=ppt/slides/slide49.xml><?xml version="1.0" encoding="utf-8"?>
-<p:sld xmlns:a="http://schemas.openxmlformats.org/drawingml/2006/main" xmlns:r="http://schemas.openxmlformats.org/officeDocument/2006/relationships" xmlns:p="http://schemas.openxmlformats.org/presentationml/2006/main">
-  <p:cSld>
-    <p:spTree>
-      <p:nvGrpSpPr>
-        <p:cNvPr id="1" name=""/>
-        <p:cNvGrpSpPr/>
-        <p:nvPr/>
-      </p:nvGrpSpPr>
-      <p:grpSpPr>
-        <a:xfrm>
-          <a:off x="0" y="0"/>
-          <a:ext cx="0" cy="0"/>
-          <a:chOff x="0" y="0"/>
-          <a:chExt cx="0" cy="0"/>
-        </a:xfrm>
-      </p:grpSpPr>
-      <mc:AlternateContent xmlns:mc="http://schemas.openxmlformats.org/markup-compatibility/2006" xmlns:a14="http://schemas.microsoft.com/office/drawing/2010/main">
-        <mc:Choice Requires="a14">
-          <p:sp>
-            <p:nvSpPr>
-              <p:cNvPr id="2" name="Title 1">
-                <a:extLst>
-                  <a:ext uri="{FF2B5EF4-FFF2-40B4-BE49-F238E27FC236}">
-                    <a16:creationId xmlns:a16="http://schemas.microsoft.com/office/drawing/2014/main" id="{B17419AC-DCE6-4371-8DE2-D617E99D653D}"/>
-                  </a:ext>
-                </a:extLst>
-              </p:cNvPr>
-              <p:cNvSpPr>
-                <a:spLocks noGrp="1"/>
-              </p:cNvSpPr>
-              <p:nvPr>
-                <p:ph type="title"/>
-              </p:nvPr>
-            </p:nvSpPr>
-            <p:spPr/>
-            <p:txBody>
-              <a:bodyPr/>
-              <a:lstStyle/>
-              <a:p>
-                <a14:m>
-                  <m:oMath xmlns:m="http://schemas.openxmlformats.org/officeDocument/2006/math">
-                    <m:sSub>
-                      <m:sSubPr>
-                        <m:ctrlPr>
-                          <a:rPr lang="en-US" b="0" i="1" smtClean="0">
-                            <a:solidFill>
-                              <a:srgbClr val="C00000"/>
-                            </a:solidFill>
-                            <a:latin typeface="Cambria Math" panose="02040503050406030204" pitchFamily="18" charset="0"/>
-                          </a:rPr>
-                        </m:ctrlPr>
-                      </m:sSubPr>
-                      <m:e>
-                        <m:r>
-                          <a:rPr lang="en-US" b="0" i="1" smtClean="0">
-                            <a:solidFill>
-                              <a:srgbClr val="C00000"/>
-                            </a:solidFill>
-                            <a:latin typeface="Cambria Math" panose="02040503050406030204" pitchFamily="18" charset="0"/>
-                          </a:rPr>
-                          <m:t>𝐿</m:t>
-                        </m:r>
-                      </m:e>
-                      <m:sub>
-                        <m:r>
-                          <a:rPr lang="en-US" b="0" i="1" smtClean="0">
-                            <a:solidFill>
-                              <a:srgbClr val="C00000"/>
-                            </a:solidFill>
-                            <a:latin typeface="Cambria Math" panose="02040503050406030204" pitchFamily="18" charset="0"/>
-                          </a:rPr>
-                          <m:t>0</m:t>
-                        </m:r>
-                      </m:sub>
-                    </m:sSub>
-                  </m:oMath>
-                </a14:m>
-                <a:r>
-                  <a:rPr lang="en-US" dirty="0">
-                    <a:solidFill>
-                      <a:srgbClr val="C00000"/>
-                    </a:solidFill>
-                  </a:rPr>
-                  <a:t> Sampling</a:t>
-                </a:r>
-              </a:p>
-            </p:txBody>
-          </p:sp>
-        </mc:Choice>
-        <mc:Fallback xmlns="">
-          <p:sp>
-            <p:nvSpPr>
-              <p:cNvPr id="2" name="Title 1">
-                <a:extLst>
-                  <a:ext uri="{FF2B5EF4-FFF2-40B4-BE49-F238E27FC236}">
-                    <a16:creationId xmlns:a16="http://schemas.microsoft.com/office/drawing/2014/main" id="{B17419AC-DCE6-4371-8DE2-D617E99D653D}"/>
-                  </a:ext>
-                </a:extLst>
-              </p:cNvPr>
-              <p:cNvSpPr>
-                <a:spLocks noGrp="1" noRot="1" noChangeAspect="1" noMove="1" noResize="1" noEditPoints="1" noAdjustHandles="1" noChangeArrowheads="1" noChangeShapeType="1" noTextEdit="1"/>
-              </p:cNvSpPr>
-              <p:nvPr>
-                <p:ph type="title"/>
-              </p:nvPr>
-            </p:nvSpPr>
-            <p:spPr>
-              <a:blipFill>
-                <a:blip r:embed="rId2"/>
-                <a:stretch>
-                  <a:fillRect/>
-                </a:stretch>
-              </a:blipFill>
-            </p:spPr>
-            <p:txBody>
-              <a:bodyPr/>
-              <a:lstStyle/>
-              <a:p>
-                <a:r>
-                  <a:rPr lang="en-US">
-                    <a:noFill/>
-                  </a:rPr>
-                  <a:t> </a:t>
-                </a:r>
-              </a:p>
-            </p:txBody>
-          </p:sp>
-        </mc:Fallback>
-      </mc:AlternateContent>
-      <mc:AlternateContent xmlns:mc="http://schemas.openxmlformats.org/markup-compatibility/2006" xmlns:a14="http://schemas.microsoft.com/office/drawing/2010/main">
-        <mc:Choice Requires="a14">
-          <p:sp>
-            <p:nvSpPr>
-              <p:cNvPr id="5" name="Content Placeholder 3">
-                <a:extLst>
-                  <a:ext uri="{FF2B5EF4-FFF2-40B4-BE49-F238E27FC236}">
-                    <a16:creationId xmlns:a16="http://schemas.microsoft.com/office/drawing/2014/main" id="{46EDD9D9-1338-4BC5-9D28-964A84C143C2}"/>
-                  </a:ext>
-                </a:extLst>
-              </p:cNvPr>
-              <p:cNvSpPr>
-                <a:spLocks noGrp="1"/>
-              </p:cNvSpPr>
-              <p:nvPr>
-                <p:ph idx="1"/>
-              </p:nvPr>
-            </p:nvSpPr>
-            <p:spPr>
-              <a:xfrm>
-                <a:off x="838200" y="1825625"/>
-                <a:ext cx="10515600" cy="4351338"/>
-              </a:xfrm>
-            </p:spPr>
-            <p:txBody>
-              <a:bodyPr>
-                <a:normAutofit/>
-              </a:bodyPr>
-              <a:lstStyle/>
-              <a:p>
-                <a:pPr>
-                  <a:buClr>
-                    <a:schemeClr val="tx1"/>
-                  </a:buClr>
-                </a:pPr>
-                <a:r>
-                  <a:rPr lang="en-US" dirty="0">
-                    <a:solidFill>
-                      <a:srgbClr val="00B050"/>
-                    </a:solidFill>
-                  </a:rPr>
-                  <a:t>Algorithm</a:t>
-                </a:r>
-                <a:r>
-                  <a:rPr lang="en-US" dirty="0"/>
-                  <a:t>: Modify </a:t>
-                </a:r>
-                <a14:m>
-                  <m:oMath xmlns:m="http://schemas.openxmlformats.org/officeDocument/2006/math">
-                    <m:sSub>
-                      <m:sSubPr>
-                        <m:ctrlPr>
-                          <a:rPr lang="en-US" b="0" i="1" smtClean="0">
-                            <a:solidFill>
-                              <a:srgbClr val="C00000"/>
-                            </a:solidFill>
-                            <a:latin typeface="Cambria Math" panose="02040503050406030204" pitchFamily="18" charset="0"/>
-                          </a:rPr>
-                        </m:ctrlPr>
-                      </m:sSubPr>
-                      <m:e>
-                        <m:r>
-                          <a:rPr lang="en-US" b="0" i="1" smtClean="0">
-                            <a:solidFill>
-                              <a:srgbClr val="C00000"/>
-                            </a:solidFill>
-                            <a:latin typeface="Cambria Math" panose="02040503050406030204" pitchFamily="18" charset="0"/>
-                          </a:rPr>
-                          <m:t>𝐹</m:t>
-                        </m:r>
-                      </m:e>
-                      <m:sub>
-                        <m:r>
-                          <a:rPr lang="en-US" b="0" i="1" smtClean="0">
-                            <a:solidFill>
-                              <a:srgbClr val="C00000"/>
-                            </a:solidFill>
-                            <a:latin typeface="Cambria Math" panose="02040503050406030204" pitchFamily="18" charset="0"/>
-                          </a:rPr>
-                          <m:t>0</m:t>
-                        </m:r>
-                      </m:sub>
-                    </m:sSub>
-                  </m:oMath>
-                </a14:m>
-                <a:r>
-                  <a:rPr lang="en-US" dirty="0"/>
-                  <a:t> estimation algorithm</a:t>
-                </a:r>
-              </a:p>
-            </p:txBody>
-          </p:sp>
-        </mc:Choice>
-        <mc:Fallback xmlns="">
-          <p:sp>
-            <p:nvSpPr>
-              <p:cNvPr id="5" name="Content Placeholder 3">
-                <a:extLst>
-                  <a:ext uri="{FF2B5EF4-FFF2-40B4-BE49-F238E27FC236}">
-                    <a16:creationId xmlns:a16="http://schemas.microsoft.com/office/drawing/2014/main" id="{46EDD9D9-1338-4BC5-9D28-964A84C143C2}"/>
-                  </a:ext>
-                </a:extLst>
-              </p:cNvPr>
-              <p:cNvSpPr>
-                <a:spLocks noGrp="1" noRot="1" noChangeAspect="1" noMove="1" noResize="1" noEditPoints="1" noAdjustHandles="1" noChangeArrowheads="1" noChangeShapeType="1" noTextEdit="1"/>
-              </p:cNvSpPr>
-              <p:nvPr>
-                <p:ph idx="1"/>
-              </p:nvPr>
-            </p:nvSpPr>
-            <p:spPr>
-              <a:xfrm>
-                <a:off x="838200" y="1825625"/>
-                <a:ext cx="10515600" cy="4351338"/>
-              </a:xfrm>
-              <a:blipFill>
-                <a:blip r:embed="rId3"/>
-                <a:stretch>
-                  <a:fillRect l="-1043" t="-2241"/>
-                </a:stretch>
-              </a:blipFill>
-            </p:spPr>
-            <p:txBody>
-              <a:bodyPr/>
-              <a:lstStyle/>
-              <a:p>
-                <a:r>
-                  <a:rPr lang="en-US">
-                    <a:noFill/>
-                  </a:rPr>
-                  <a:t> </a:t>
-                </a:r>
-              </a:p>
-            </p:txBody>
-          </p:sp>
-        </mc:Fallback>
-      </mc:AlternateContent>
-    </p:spTree>
-    <p:extLst>
-      <p:ext uri="{BB962C8B-B14F-4D97-AF65-F5344CB8AC3E}">
-        <p14:creationId xmlns:p14="http://schemas.microsoft.com/office/powerpoint/2010/main" val="1819641573"/>
-      </p:ext>
-    </p:extLst>
-  </p:cSld>
-  <p:clrMapOvr>
-    <a:masterClrMapping/>
-  </p:clrMapOvr>
-</p:sld>
-</file>
-
 <file path=ppt/slides/slide5.xml><?xml version="1.0" encoding="utf-8"?>
 <p:sld xmlns:a="http://schemas.openxmlformats.org/drawingml/2006/main" xmlns:r="http://schemas.openxmlformats.org/officeDocument/2006/relationships" xmlns:p="http://schemas.openxmlformats.org/presentationml/2006/main">
   <p:cSld>
